--- a/MSc Mini Project/ma4051.pptx
+++ b/MSc Mini Project/ma4051.pptx
@@ -315,7 +315,7 @@
             <a:fld id="{B61BEF0D-F0BB-DE4B-95CE-6DB70DBA9567}" type="datetimeFigureOut">
               <a:rPr lang="en-US" dirty="0"/>
               <a:pPr/>
-              <a:t>6/25/2021</a:t>
+              <a:t>8/19/2021</a:t>
             </a:fld>
             <a:endParaRPr lang="en-US" dirty="0"/>
           </a:p>
@@ -650,7 +650,7 @@
             <a:fld id="{B61BEF0D-F0BB-DE4B-95CE-6DB70DBA9567}" type="datetimeFigureOut">
               <a:rPr lang="en-US" dirty="0"/>
               <a:pPr/>
-              <a:t>6/25/2021</a:t>
+              <a:t>8/19/2021</a:t>
             </a:fld>
             <a:endParaRPr lang="en-US" dirty="0"/>
           </a:p>
@@ -1048,7 +1048,7 @@
             <a:fld id="{B61BEF0D-F0BB-DE4B-95CE-6DB70DBA9567}" type="datetimeFigureOut">
               <a:rPr lang="en-US" dirty="0"/>
               <a:pPr/>
-              <a:t>6/25/2021</a:t>
+              <a:t>8/19/2021</a:t>
             </a:fld>
             <a:endParaRPr lang="en-US" dirty="0"/>
           </a:p>
@@ -1381,7 +1381,7 @@
             <a:fld id="{B61BEF0D-F0BB-DE4B-95CE-6DB70DBA9567}" type="datetimeFigureOut">
               <a:rPr lang="en-US" dirty="0"/>
               <a:pPr/>
-              <a:t>6/25/2021</a:t>
+              <a:t>8/19/2021</a:t>
             </a:fld>
             <a:endParaRPr lang="en-US" dirty="0"/>
           </a:p>
@@ -1698,7 +1698,7 @@
             <a:fld id="{B61BEF0D-F0BB-DE4B-95CE-6DB70DBA9567}" type="datetimeFigureOut">
               <a:rPr lang="en-US" dirty="0"/>
               <a:pPr/>
-              <a:t>6/25/2021</a:t>
+              <a:t>8/19/2021</a:t>
             </a:fld>
             <a:endParaRPr lang="en-US" dirty="0"/>
           </a:p>
@@ -2091,7 +2091,7 @@
             <a:fld id="{B61BEF0D-F0BB-DE4B-95CE-6DB70DBA9567}" type="datetimeFigureOut">
               <a:rPr lang="en-US" dirty="0"/>
               <a:pPr/>
-              <a:t>6/25/2021</a:t>
+              <a:t>8/19/2021</a:t>
             </a:fld>
             <a:endParaRPr lang="en-US" dirty="0"/>
           </a:p>
@@ -2345,7 +2345,7 @@
             <a:fld id="{B61BEF0D-F0BB-DE4B-95CE-6DB70DBA9567}" type="datetimeFigureOut">
               <a:rPr lang="en-US" dirty="0"/>
               <a:pPr/>
-              <a:t>6/25/2021</a:t>
+              <a:t>8/19/2021</a:t>
             </a:fld>
             <a:endParaRPr lang="en-US" dirty="0"/>
           </a:p>
@@ -2604,7 +2604,7 @@
             <a:fld id="{B61BEF0D-F0BB-DE4B-95CE-6DB70DBA9567}" type="datetimeFigureOut">
               <a:rPr lang="en-US" dirty="0"/>
               <a:pPr/>
-              <a:t>6/25/2021</a:t>
+              <a:t>8/19/2021</a:t>
             </a:fld>
             <a:endParaRPr lang="en-US" dirty="0"/>
           </a:p>
@@ -2863,7 +2863,7 @@
             <a:fld id="{B61BEF0D-F0BB-DE4B-95CE-6DB70DBA9567}" type="datetimeFigureOut">
               <a:rPr lang="en-US" dirty="0"/>
               <a:pPr/>
-              <a:t>6/25/2021</a:t>
+              <a:t>8/19/2021</a:t>
             </a:fld>
             <a:endParaRPr lang="en-US" dirty="0"/>
           </a:p>
@@ -3189,7 +3189,7 @@
             <a:fld id="{B61BEF0D-F0BB-DE4B-95CE-6DB70DBA9567}" type="datetimeFigureOut">
               <a:rPr lang="en-US" dirty="0"/>
               <a:pPr/>
-              <a:t>6/25/2021</a:t>
+              <a:t>8/19/2021</a:t>
             </a:fld>
             <a:endParaRPr lang="en-US" dirty="0"/>
           </a:p>
@@ -3509,7 +3509,7 @@
             <a:fld id="{B61BEF0D-F0BB-DE4B-95CE-6DB70DBA9567}" type="datetimeFigureOut">
               <a:rPr lang="en-US" dirty="0"/>
               <a:pPr/>
-              <a:t>6/25/2021</a:t>
+              <a:t>8/19/2021</a:t>
             </a:fld>
             <a:endParaRPr lang="en-US" dirty="0"/>
           </a:p>
@@ -3963,7 +3963,7 @@
             <a:fld id="{B61BEF0D-F0BB-DE4B-95CE-6DB70DBA9567}" type="datetimeFigureOut">
               <a:rPr lang="en-US" dirty="0"/>
               <a:pPr/>
-              <a:t>6/25/2021</a:t>
+              <a:t>8/19/2021</a:t>
             </a:fld>
             <a:endParaRPr lang="en-US" dirty="0"/>
           </a:p>
@@ -4165,7 +4165,7 @@
             <a:fld id="{B61BEF0D-F0BB-DE4B-95CE-6DB70DBA9567}" type="datetimeFigureOut">
               <a:rPr lang="en-US" dirty="0"/>
               <a:pPr/>
-              <a:t>6/25/2021</a:t>
+              <a:t>8/19/2021</a:t>
             </a:fld>
             <a:endParaRPr lang="en-US" dirty="0"/>
           </a:p>
@@ -4339,7 +4339,7 @@
             <a:fld id="{B61BEF0D-F0BB-DE4B-95CE-6DB70DBA9567}" type="datetimeFigureOut">
               <a:rPr lang="en-US" dirty="0"/>
               <a:pPr/>
-              <a:t>6/25/2021</a:t>
+              <a:t>8/19/2021</a:t>
             </a:fld>
             <a:endParaRPr lang="en-US" dirty="0"/>
           </a:p>
@@ -4669,7 +4669,7 @@
             <a:fld id="{B61BEF0D-F0BB-DE4B-95CE-6DB70DBA9567}" type="datetimeFigureOut">
               <a:rPr lang="en-US" dirty="0"/>
               <a:pPr/>
-              <a:t>6/25/2021</a:t>
+              <a:t>8/19/2021</a:t>
             </a:fld>
             <a:endParaRPr lang="en-US" dirty="0"/>
           </a:p>
@@ -5011,7 +5011,7 @@
             <a:fld id="{B61BEF0D-F0BB-DE4B-95CE-6DB70DBA9567}" type="datetimeFigureOut">
               <a:rPr lang="en-US" dirty="0"/>
               <a:pPr/>
-              <a:t>6/25/2021</a:t>
+              <a:t>8/19/2021</a:t>
             </a:fld>
             <a:endParaRPr lang="en-US" dirty="0"/>
           </a:p>
@@ -7125,7 +7125,7 @@
             <a:fld id="{B61BEF0D-F0BB-DE4B-95CE-6DB70DBA9567}" type="datetimeFigureOut">
               <a:rPr lang="en-US" dirty="0"/>
               <a:pPr/>
-              <a:t>6/25/2021</a:t>
+              <a:t>8/19/2021</a:t>
             </a:fld>
             <a:endParaRPr lang="en-US" dirty="0"/>
           </a:p>
@@ -7650,8 +7650,8 @@
         </p:nvSpPr>
         <p:spPr>
           <a:xfrm>
-            <a:off x="2592924" y="228600"/>
-            <a:ext cx="8911687" cy="6629400"/>
+            <a:off x="1937084" y="228600"/>
+            <a:ext cx="10142621" cy="6629400"/>
           </a:xfrm>
         </p:spPr>
         <p:txBody>
@@ -7665,14 +7665,172 @@
                 <a:latin typeface="Cambria Math" panose="02040503050406030204" pitchFamily="18" charset="0"/>
                 <a:ea typeface="Cambria Math" panose="02040503050406030204" pitchFamily="18" charset="0"/>
               </a:rPr>
-              <a:t>               MA 4051 Mini-Project</a:t>
+              <a:t>     </a:t>
+            </a:r>
+            <a:r>
+              <a:rPr lang="en-US" sz="2200" b="1" dirty="0" smtClean="0">
+                <a:solidFill>
+                  <a:srgbClr val="FF0000"/>
+                </a:solidFill>
+                <a:latin typeface="Cambria Math" panose="02040503050406030204" pitchFamily="18" charset="0"/>
+                <a:ea typeface="Cambria Math" panose="02040503050406030204" pitchFamily="18" charset="0"/>
+              </a:rPr>
+              <a:t>The </a:t>
+            </a:r>
+            <a:r>
+              <a:rPr lang="en-US" sz="2200" b="1" dirty="0">
+                <a:solidFill>
+                  <a:srgbClr val="FF0000"/>
+                </a:solidFill>
+                <a:latin typeface="Cambria Math" panose="02040503050406030204" pitchFamily="18" charset="0"/>
+                <a:ea typeface="Cambria Math" panose="02040503050406030204" pitchFamily="18" charset="0"/>
+              </a:rPr>
+              <a:t>solution x by the iterative methods(Jacobi Method &amp;</a:t>
+            </a:r>
+            <a:r>
+              <a:rPr lang="en-US" sz="2200" b="1" dirty="0" smtClean="0">
+                <a:solidFill>
+                  <a:srgbClr val="FF0000"/>
+                </a:solidFill>
+                <a:latin typeface="Cambria Math" panose="02040503050406030204" pitchFamily="18" charset="0"/>
+                <a:ea typeface="Cambria Math" panose="02040503050406030204" pitchFamily="18" charset="0"/>
+              </a:rPr>
+              <a:t>Gauss-Seidel method)</a:t>
+            </a:r>
+            <a:br>
+              <a:rPr lang="en-US" sz="2200" b="1" dirty="0" smtClean="0">
+                <a:solidFill>
+                  <a:srgbClr val="FF0000"/>
+                </a:solidFill>
+                <a:latin typeface="Cambria Math" panose="02040503050406030204" pitchFamily="18" charset="0"/>
+                <a:ea typeface="Cambria Math" panose="02040503050406030204" pitchFamily="18" charset="0"/>
+              </a:rPr>
+            </a:br>
+            <a:r>
+              <a:rPr lang="en-US" sz="2200" b="1" dirty="0" smtClean="0">
+                <a:solidFill>
+                  <a:srgbClr val="FF0000"/>
+                </a:solidFill>
+                <a:latin typeface="Cambria Math" panose="02040503050406030204" pitchFamily="18" charset="0"/>
+                <a:ea typeface="Cambria Math" panose="02040503050406030204" pitchFamily="18" charset="0"/>
+              </a:rPr>
+              <a:t>          </a:t>
+            </a:r>
+            <a:r>
+              <a:rPr lang="en-US" sz="2200" b="1" dirty="0">
+                <a:solidFill>
+                  <a:srgbClr val="FF0000"/>
+                </a:solidFill>
+                <a:latin typeface="Cambria Math" panose="02040503050406030204" pitchFamily="18" charset="0"/>
+                <a:ea typeface="Cambria Math" panose="02040503050406030204" pitchFamily="18" charset="0"/>
+              </a:rPr>
+              <a:t>using </a:t>
+            </a:r>
+            <a:r>
+              <a:rPr lang="en-US" sz="2200" b="1" dirty="0" smtClean="0">
+                <a:solidFill>
+                  <a:srgbClr val="FF0000"/>
+                </a:solidFill>
+                <a:latin typeface="Cambria Math" panose="02040503050406030204" pitchFamily="18" charset="0"/>
+                <a:ea typeface="Cambria Math" panose="02040503050406030204" pitchFamily="18" charset="0"/>
+              </a:rPr>
+              <a:t>C</a:t>
+            </a:r>
+            <a:r>
+              <a:rPr lang="en-US" sz="2200" b="1" dirty="0">
+                <a:solidFill>
+                  <a:srgbClr val="FF0000"/>
+                </a:solidFill>
+                <a:latin typeface="Cambria Math" panose="02040503050406030204" pitchFamily="18" charset="0"/>
+                <a:ea typeface="Cambria Math" panose="02040503050406030204" pitchFamily="18" charset="0"/>
+              </a:rPr>
+              <a:t>++ programming and Compare the number of iterations taken to find x </a:t>
+            </a:r>
+            <a:r>
+              <a:rPr lang="en-US" sz="2200" b="1" dirty="0" smtClean="0">
+                <a:solidFill>
+                  <a:srgbClr val="FF0000"/>
+                </a:solidFill>
+                <a:latin typeface="Cambria Math" panose="02040503050406030204" pitchFamily="18" charset="0"/>
+                <a:ea typeface="Cambria Math" panose="02040503050406030204" pitchFamily="18" charset="0"/>
+              </a:rPr>
+              <a:t/>
+            </a:r>
+            <a:br>
+              <a:rPr lang="en-US" sz="2200" b="1" dirty="0" smtClean="0">
+                <a:solidFill>
+                  <a:srgbClr val="FF0000"/>
+                </a:solidFill>
+                <a:latin typeface="Cambria Math" panose="02040503050406030204" pitchFamily="18" charset="0"/>
+                <a:ea typeface="Cambria Math" panose="02040503050406030204" pitchFamily="18" charset="0"/>
+              </a:rPr>
+            </a:br>
+            <a:r>
+              <a:rPr lang="en-US" sz="2200" b="1" dirty="0" smtClean="0">
+                <a:solidFill>
+                  <a:srgbClr val="FF0000"/>
+                </a:solidFill>
+                <a:latin typeface="Cambria Math" panose="02040503050406030204" pitchFamily="18" charset="0"/>
+                <a:ea typeface="Cambria Math" panose="02040503050406030204" pitchFamily="18" charset="0"/>
+              </a:rPr>
+              <a:t>                                            through </a:t>
+            </a:r>
+            <a:r>
+              <a:rPr lang="en-US" sz="2200" b="1" dirty="0">
+                <a:solidFill>
+                  <a:srgbClr val="FF0000"/>
+                </a:solidFill>
+                <a:latin typeface="Cambria Math" panose="02040503050406030204" pitchFamily="18" charset="0"/>
+                <a:ea typeface="Cambria Math" panose="02040503050406030204" pitchFamily="18" charset="0"/>
+              </a:rPr>
+              <a:t>the </a:t>
+            </a:r>
+            <a:r>
+              <a:rPr lang="en-US" sz="2200" b="1" dirty="0" smtClean="0">
+                <a:solidFill>
+                  <a:srgbClr val="FF0000"/>
+                </a:solidFill>
+                <a:latin typeface="Cambria Math" panose="02040503050406030204" pitchFamily="18" charset="0"/>
+                <a:ea typeface="Cambria Math" panose="02040503050406030204" pitchFamily="18" charset="0"/>
+              </a:rPr>
+              <a:t>above </a:t>
+            </a:r>
+            <a:r>
+              <a:rPr lang="en-US" sz="2200" b="1" dirty="0">
+                <a:solidFill>
+                  <a:srgbClr val="FF0000"/>
+                </a:solidFill>
+                <a:latin typeface="Cambria Math" panose="02040503050406030204" pitchFamily="18" charset="0"/>
+                <a:ea typeface="Cambria Math" panose="02040503050406030204" pitchFamily="18" charset="0"/>
+              </a:rPr>
+              <a:t>methods</a:t>
+            </a:r>
+            <a:r>
+              <a:rPr lang="en-IN" sz="2200" b="1" dirty="0" smtClean="0">
+                <a:latin typeface="Cambria Math" panose="02040503050406030204" pitchFamily="18" charset="0"/>
+                <a:ea typeface="Cambria Math" panose="02040503050406030204" pitchFamily="18" charset="0"/>
+              </a:rPr>
+              <a:t/>
+            </a:r>
+            <a:br>
+              <a:rPr lang="en-IN" sz="2200" b="1" dirty="0" smtClean="0">
+                <a:latin typeface="Cambria Math" panose="02040503050406030204" pitchFamily="18" charset="0"/>
+                <a:ea typeface="Cambria Math" panose="02040503050406030204" pitchFamily="18" charset="0"/>
+              </a:rPr>
+            </a:br>
+            <a:r>
+              <a:rPr lang="en-IN" sz="1800" b="1" dirty="0">
+                <a:latin typeface="Cambria Math" panose="02040503050406030204" pitchFamily="18" charset="0"/>
+                <a:ea typeface="Cambria Math" panose="02040503050406030204" pitchFamily="18" charset="0"/>
+              </a:rPr>
+              <a:t>	</a:t>
             </a:r>
             <a:r>
               <a:rPr lang="en-IN" sz="1800" b="1" dirty="0" smtClean="0">
                 <a:latin typeface="Cambria Math" panose="02040503050406030204" pitchFamily="18" charset="0"/>
                 <a:ea typeface="Cambria Math" panose="02040503050406030204" pitchFamily="18" charset="0"/>
               </a:rPr>
-              <a:t/>
+              <a:t>					        </a:t>
             </a:r>
             <a:br>
               <a:rPr lang="en-IN" sz="1800" b="1" dirty="0" smtClean="0">
@@ -7692,7 +7850,35 @@
                 <a:latin typeface="Cambria Math" panose="02040503050406030204" pitchFamily="18" charset="0"/>
                 <a:ea typeface="Cambria Math" panose="02040503050406030204" pitchFamily="18" charset="0"/>
               </a:rPr>
-              <a:t>					        </a:t>
+              <a:t>						</a:t>
+            </a:r>
+            <a:r>
+              <a:rPr lang="en-IN" sz="1800" b="1" i="1" dirty="0" smtClean="0">
+                <a:latin typeface="Cambria Math" panose="02040503050406030204" pitchFamily="18" charset="0"/>
+                <a:ea typeface="Cambria Math" panose="02040503050406030204" pitchFamily="18" charset="0"/>
+              </a:rPr>
+              <a:t>       done </a:t>
+            </a:r>
+            <a:r>
+              <a:rPr lang="en-IN" sz="1800" b="1" i="1" dirty="0" smtClean="0">
+                <a:latin typeface="Cambria Math" panose="02040503050406030204" pitchFamily="18" charset="0"/>
+                <a:ea typeface="Cambria Math" panose="02040503050406030204" pitchFamily="18" charset="0"/>
+              </a:rPr>
+              <a:t>by</a:t>
+            </a:r>
+            <a:r>
+              <a:rPr lang="en-IN" sz="1800" b="1" dirty="0" smtClean="0">
+                <a:latin typeface="Cambria Math" panose="02040503050406030204" pitchFamily="18" charset="0"/>
+                <a:ea typeface="Cambria Math" panose="02040503050406030204" pitchFamily="18" charset="0"/>
+              </a:rPr>
+              <a:t>         </a:t>
+            </a:r>
+            <a:r>
+              <a:rPr lang="en-IN" sz="1800" b="1" dirty="0" smtClean="0">
+                <a:latin typeface="Cambria Math" panose="02040503050406030204" pitchFamily="18" charset="0"/>
+                <a:ea typeface="Cambria Math" panose="02040503050406030204" pitchFamily="18" charset="0"/>
+              </a:rPr>
+              <a:t/>
             </a:r>
             <a:br>
               <a:rPr lang="en-IN" sz="1800" b="1" dirty="0" smtClean="0">
@@ -7712,68 +7898,14 @@
                 <a:latin typeface="Cambria Math" panose="02040503050406030204" pitchFamily="18" charset="0"/>
                 <a:ea typeface="Cambria Math" panose="02040503050406030204" pitchFamily="18" charset="0"/>
               </a:rPr>
-              <a:t>						</a:t>
-            </a:r>
-            <a:r>
-              <a:rPr lang="en-IN" sz="1800" b="1" i="1" dirty="0" smtClean="0">
-                <a:latin typeface="Cambria Math" panose="02040503050406030204" pitchFamily="18" charset="0"/>
-                <a:ea typeface="Cambria Math" panose="02040503050406030204" pitchFamily="18" charset="0"/>
-              </a:rPr>
-              <a:t>       done by</a:t>
+              <a:t>	   </a:t>
             </a:r>
             <a:r>
               <a:rPr lang="en-IN" sz="1800" b="1" dirty="0" smtClean="0">
                 <a:latin typeface="Cambria Math" panose="02040503050406030204" pitchFamily="18" charset="0"/>
                 <a:ea typeface="Cambria Math" panose="02040503050406030204" pitchFamily="18" charset="0"/>
               </a:rPr>
-              <a:t/>
-            </a:r>
-            <a:br>
-              <a:rPr lang="en-IN" sz="1800" b="1" dirty="0" smtClean="0">
-                <a:latin typeface="Cambria Math" panose="02040503050406030204" pitchFamily="18" charset="0"/>
-                <a:ea typeface="Cambria Math" panose="02040503050406030204" pitchFamily="18" charset="0"/>
-              </a:rPr>
-            </a:br>
-            <a:r>
-              <a:rPr lang="en-IN" sz="1800" b="1" dirty="0" smtClean="0">
-                <a:latin typeface="Cambria Math" panose="02040503050406030204" pitchFamily="18" charset="0"/>
-                <a:ea typeface="Cambria Math" panose="02040503050406030204" pitchFamily="18" charset="0"/>
-              </a:rPr>
-              <a:t>			</a:t>
-            </a:r>
-            <a:r>
-              <a:rPr lang="en-IN" sz="1800" b="1" dirty="0">
-                <a:latin typeface="Cambria Math" panose="02040503050406030204" pitchFamily="18" charset="0"/>
-                <a:ea typeface="Cambria Math" panose="02040503050406030204" pitchFamily="18" charset="0"/>
-              </a:rPr>
-              <a:t> </a:t>
-            </a:r>
-            <a:r>
-              <a:rPr lang="en-IN" sz="1800" b="1" dirty="0" smtClean="0">
-                <a:latin typeface="Cambria Math" panose="02040503050406030204" pitchFamily="18" charset="0"/>
-                <a:ea typeface="Cambria Math" panose="02040503050406030204" pitchFamily="18" charset="0"/>
-              </a:rPr>
-              <a:t>        </a:t>
-            </a:r>
-            <a:br>
-              <a:rPr lang="en-IN" sz="1800" b="1" dirty="0" smtClean="0">
-                <a:latin typeface="Cambria Math" panose="02040503050406030204" pitchFamily="18" charset="0"/>
-                <a:ea typeface="Cambria Math" panose="02040503050406030204" pitchFamily="18" charset="0"/>
-              </a:rPr>
-            </a:br>
-            <a:r>
-              <a:rPr lang="en-IN" sz="1800" b="1" dirty="0">
-                <a:latin typeface="Cambria Math" panose="02040503050406030204" pitchFamily="18" charset="0"/>
-                <a:ea typeface="Cambria Math" panose="02040503050406030204" pitchFamily="18" charset="0"/>
-              </a:rPr>
-              <a:t>	</a:t>
-            </a:r>
-            <a:r>
-              <a:rPr lang="en-IN" sz="1800" b="1" dirty="0" smtClean="0">
-                <a:latin typeface="Cambria Math" panose="02040503050406030204" pitchFamily="18" charset="0"/>
-                <a:ea typeface="Cambria Math" panose="02040503050406030204" pitchFamily="18" charset="0"/>
-              </a:rPr>
-              <a:t>	       </a:t>
+              <a:t>	    </a:t>
             </a:r>
             <a:r>
               <a:rPr lang="en-IN" sz="4000" b="1" dirty="0" err="1" smtClean="0">
@@ -7821,7 +7953,14 @@
                 <a:latin typeface="Cambria Math" panose="02040503050406030204" pitchFamily="18" charset="0"/>
                 <a:ea typeface="Cambria Math" panose="02040503050406030204" pitchFamily="18" charset="0"/>
               </a:rPr>
-              <a:t>              </a:t>
+              <a:t>             </a:t>
+            </a:r>
+            <a:r>
+              <a:rPr lang="en-IN" sz="3000" b="1" dirty="0" smtClean="0">
+                <a:latin typeface="Cambria Math" panose="02040503050406030204" pitchFamily="18" charset="0"/>
+                <a:ea typeface="Cambria Math" panose="02040503050406030204" pitchFamily="18" charset="0"/>
+              </a:rPr>
+              <a:t>	 </a:t>
             </a:r>
             <a:r>
               <a:rPr lang="en-IN" sz="2400" b="1" dirty="0" smtClean="0">
@@ -7843,6 +7982,20 @@
               </a:rPr>
               <a:t>      </a:t>
             </a:r>
+            <a:r>
+              <a:rPr lang="en-IN" sz="2400" b="1" dirty="0" smtClean="0">
+                <a:latin typeface="Cambria Math" panose="02040503050406030204" pitchFamily="18" charset="0"/>
+                <a:ea typeface="Cambria Math" panose="02040503050406030204" pitchFamily="18" charset="0"/>
+              </a:rPr>
+              <a:t>	</a:t>
+            </a:r>
+            <a:r>
+              <a:rPr lang="en-IN" sz="2400" b="1" dirty="0" smtClean="0">
+                <a:latin typeface="Cambria Math" panose="02040503050406030204" pitchFamily="18" charset="0"/>
+                <a:ea typeface="Cambria Math" panose="02040503050406030204" pitchFamily="18" charset="0"/>
+              </a:rPr>
+              <a:t/>
+            </a:r>
             <a:br>
               <a:rPr lang="en-IN" sz="2400" b="1" dirty="0" smtClean="0">
                 <a:latin typeface="Cambria Math" panose="02040503050406030204" pitchFamily="18" charset="0"/>
@@ -7861,7 +8014,14 @@
                 <a:latin typeface="Cambria Math" panose="02040503050406030204" pitchFamily="18" charset="0"/>
                 <a:ea typeface="Cambria Math" panose="02040503050406030204" pitchFamily="18" charset="0"/>
               </a:rPr>
-              <a:t>                                     </a:t>
+              <a:t>                           </a:t>
+            </a:r>
+            <a:r>
+              <a:rPr lang="en-IN" sz="2400" b="1" i="1" dirty="0" smtClean="0">
+                <a:latin typeface="Cambria Math" panose="02040503050406030204" pitchFamily="18" charset="0"/>
+                <a:ea typeface="Cambria Math" panose="02040503050406030204" pitchFamily="18" charset="0"/>
+              </a:rPr>
+              <a:t>	          </a:t>
             </a:r>
             <a:r>
               <a:rPr lang="en-IN" sz="2400" i="1" dirty="0" smtClean="0"/>
@@ -7891,7 +8051,11 @@
             </a:r>
             <a:r>
               <a:rPr lang="en-IN" sz="2400" b="1" i="1" dirty="0" smtClean="0"/>
-              <a:t>   		       </a:t>
+              <a:t>   		    </a:t>
+            </a:r>
+            <a:r>
+              <a:rPr lang="en-IN" sz="2400" b="1" i="1" dirty="0" smtClean="0"/>
+              <a:t>	  </a:t>
             </a:r>
             <a:r>
               <a:rPr lang="en-IN" sz="2400" b="1" dirty="0" err="1" smtClean="0"/>
@@ -7937,12 +8101,54 @@
             </a:r>
             <a:r>
               <a:rPr lang="en-IN" sz="2400" b="1" dirty="0" smtClean="0"/>
-              <a:t>               (Professor)</a:t>
+              <a:t>  </a:t>
+            </a:r>
+            <a:r>
+              <a:rPr lang="en-IN" sz="2400" b="1" dirty="0" smtClean="0"/>
+              <a:t>	             </a:t>
+            </a:r>
+            <a:r>
+              <a:rPr lang="en-IN" sz="2400" b="1" dirty="0" smtClean="0"/>
+              <a:t>(Professor</a:t>
+            </a:r>
+            <a:r>
+              <a:rPr lang="en-IN" sz="2400" b="1" dirty="0" smtClean="0"/>
+              <a:t>)</a:t>
+            </a:r>
+            <a:r>
+              <a:rPr lang="en-IN" sz="2400" b="1" dirty="0"/>
+              <a:t/>
+            </a:r>
+            <a:br>
+              <a:rPr lang="en-IN" sz="2400" b="1" dirty="0"/>
+            </a:br>
+            <a:r>
+              <a:rPr lang="en-IN" sz="2400" b="1" dirty="0"/>
+              <a:t/>
+            </a:r>
+            <a:br>
+              <a:rPr lang="en-IN" sz="2400" b="1" dirty="0"/>
+            </a:br>
+            <a:r>
+              <a:rPr lang="en-IN" sz="2400" b="1" dirty="0" smtClean="0"/>
+              <a:t>								</a:t>
+            </a:r>
+            <a:r>
+              <a:rPr lang="en-IN" sz="2400" b="1" dirty="0" smtClean="0"/>
+              <a:t/>
             </a:r>
             <a:br>
               <a:rPr lang="en-IN" sz="2400" b="1" dirty="0" smtClean="0"/>
             </a:br>
             <a:r>
+              <a:rPr lang="en-IN" sz="2400" b="1" dirty="0"/>
+              <a:t>	</a:t>
+            </a:r>
+            <a:r>
+              <a:rPr lang="en-IN" sz="2400" b="1" dirty="0" smtClean="0"/>
+              <a:t>		   </a:t>
+            </a:r>
+            <a:r>
               <a:rPr lang="en-IN" sz="2400" b="1" dirty="0" smtClean="0"/>
               <a:t/>
             </a:r>
@@ -7950,95 +8156,58 @@
               <a:rPr lang="en-IN" sz="2400" b="1" dirty="0" smtClean="0"/>
             </a:br>
             <a:r>
+              <a:rPr lang="en-IN" sz="2400" b="1" dirty="0"/>
+              <a:t>	</a:t>
+            </a:r>
+            <a:r>
               <a:rPr lang="en-IN" sz="2400" b="1" dirty="0" smtClean="0"/>
-              <a:t>		</a:t>
-            </a:r>
-            <a:r>
-              <a:rPr lang="en-IN" sz="2400" b="1" dirty="0"/>
+              <a:t>			</a:t>
+            </a:r>
+            <a:r>
+              <a:rPr lang="en-IN" sz="2700" b="1" dirty="0" smtClean="0"/>
+              <a:t>DEPARTMENT </a:t>
+            </a:r>
+            <a:r>
+              <a:rPr lang="en-IN" sz="2700" b="1" dirty="0"/>
+              <a:t>OF </a:t>
+            </a:r>
+            <a:r>
+              <a:rPr lang="en-IN" sz="2700" b="1" dirty="0" smtClean="0"/>
+              <a:t>MATHEMATICS</a:t>
+            </a:r>
+            <a:br>
+              <a:rPr lang="en-IN" sz="2700" b="1" dirty="0" smtClean="0"/>
+            </a:br>
+            <a:r>
+              <a:rPr lang="en-IN" sz="2700" b="1" dirty="0" smtClean="0"/>
+              <a:t>			     </a:t>
+            </a:r>
+            <a:r>
+              <a:rPr lang="en-IN" sz="1800" b="1" dirty="0" smtClean="0"/>
+              <a:t>Indian </a:t>
+            </a:r>
+            <a:r>
+              <a:rPr lang="en-IN" sz="1800" b="1" dirty="0"/>
+              <a:t>Institute of Technology </a:t>
+            </a:r>
+            <a:r>
+              <a:rPr lang="en-IN" sz="1800" b="1" dirty="0" smtClean="0"/>
+              <a:t>Hyderabad</a:t>
+            </a:r>
+            <a:r>
+              <a:rPr lang="en-IN" sz="2000" b="1" dirty="0" smtClean="0"/>
               <a:t> </a:t>
             </a:r>
             <a:r>
               <a:rPr lang="en-IN" sz="2400" b="1" dirty="0" smtClean="0"/>
-              <a:t>       </a:t>
+              <a:t/>
             </a:r>
             <a:br>
               <a:rPr lang="en-IN" sz="2400" b="1" dirty="0" smtClean="0"/>
             </a:br>
             <a:r>
-              <a:rPr lang="en-IN" sz="2400" b="1" dirty="0"/>
-              <a:t/>
-            </a:r>
-            <a:br>
-              <a:rPr lang="en-IN" sz="2400" b="1" dirty="0"/>
-            </a:br>
-            <a:r>
               <a:rPr lang="en-IN" sz="2400" b="1" dirty="0" smtClean="0"/>
-              <a:t/>
-            </a:r>
-            <a:br>
-              <a:rPr lang="en-IN" sz="2400" b="1" dirty="0" smtClean="0"/>
-            </a:br>
-            <a:r>
-              <a:rPr lang="en-IN" sz="2400" b="1" dirty="0"/>
-              <a:t>	</a:t>
-            </a:r>
-            <a:r>
-              <a:rPr lang="en-IN" sz="2400" b="1" dirty="0" smtClean="0"/>
-              <a:t>		   </a:t>
-            </a:r>
-            <a:r>
-              <a:rPr lang="en-IN" sz="2700" b="1" dirty="0" smtClean="0"/>
-              <a:t>DEPARTMENT </a:t>
-            </a:r>
-            <a:r>
-              <a:rPr lang="en-IN" sz="2700" b="1" dirty="0"/>
-              <a:t>OF </a:t>
-            </a:r>
-            <a:r>
-              <a:rPr lang="en-IN" sz="2700" b="1" dirty="0" smtClean="0"/>
-              <a:t>MATHEMATICS</a:t>
-            </a:r>
-            <a:br>
-              <a:rPr lang="en-IN" sz="2700" b="1" dirty="0" smtClean="0"/>
-            </a:br>
-            <a:r>
-              <a:rPr lang="en-IN" sz="2700" b="1" dirty="0" smtClean="0"/>
-              <a:t>			     </a:t>
-            </a:r>
-            <a:r>
-              <a:rPr lang="en-IN" sz="1800" b="1" dirty="0" smtClean="0"/>
-              <a:t>Indian </a:t>
-            </a:r>
-            <a:r>
-              <a:rPr lang="en-IN" sz="1800" b="1" dirty="0"/>
-              <a:t>Institute of Technology </a:t>
-            </a:r>
-            <a:r>
-              <a:rPr lang="en-IN" sz="1800" b="1" dirty="0" smtClean="0"/>
-              <a:t>Hyderabad</a:t>
-            </a:r>
-            <a:r>
-              <a:rPr lang="en-IN" sz="2000" b="1" dirty="0" smtClean="0"/>
-              <a:t> </a:t>
-            </a:r>
-            <a:r>
-              <a:rPr lang="en-IN" sz="2400" b="1" dirty="0" smtClean="0"/>
-              <a:t/>
-            </a:r>
-            <a:br>
-              <a:rPr lang="en-IN" sz="2400" b="1" dirty="0" smtClean="0"/>
-            </a:br>
-            <a:r>
-              <a:rPr lang="en-IN" sz="2400" b="1" dirty="0" smtClean="0"/>
-              <a:t>						     </a:t>
-            </a:r>
-            <a:r>
-              <a:rPr lang="en-IN" sz="2400" b="1" dirty="0" smtClean="0"/>
-              <a:t>June, </a:t>
-            </a:r>
-            <a:r>
-              <a:rPr lang="en-IN" sz="2400" b="1" dirty="0" smtClean="0"/>
-              <a:t>2021</a:t>
+              <a:t>						     June, 2021</a:t>
             </a:r>
             <a:r>
               <a:rPr lang="en-IN" sz="2400" dirty="0"/>
@@ -8076,8 +8245,8 @@
         </p:blipFill>
         <p:spPr>
           <a:xfrm>
-            <a:off x="5868267" y="4403556"/>
-            <a:ext cx="1386777" cy="1023574"/>
+            <a:off x="5317958" y="4702371"/>
+            <a:ext cx="1275347" cy="941328"/>
           </a:xfrm>
           <a:prstGeom prst="rect">
             <a:avLst/>
@@ -8911,15 +9080,7 @@
           <a:p>
             <a:r>
               <a:rPr lang="en-IN" sz="4400" b="1" dirty="0" smtClean="0"/>
-              <a:t>Calculation for </a:t>
-            </a:r>
-            <a:r>
-              <a:rPr lang="en-IN" sz="4400" b="1" dirty="0" smtClean="0"/>
-              <a:t>First </a:t>
-            </a:r>
-            <a:r>
-              <a:rPr lang="en-IN" sz="4400" b="1" dirty="0" smtClean="0"/>
-              <a:t>Iteration</a:t>
+              <a:t>Calculation for First Iteration</a:t>
             </a:r>
             <a:endParaRPr lang="en-IN" sz="4400" dirty="0"/>
           </a:p>
@@ -12173,8 +12334,8 @@
           </a:p>
         </p:txBody>
       </p:sp>
-      <mc:AlternateContent xmlns:mc="http://schemas.openxmlformats.org/markup-compatibility/2006">
-        <mc:Choice xmlns:a14="http://schemas.microsoft.com/office/drawing/2010/main" Requires="a14">
+      <mc:AlternateContent xmlns:mc="http://schemas.openxmlformats.org/markup-compatibility/2006" xmlns:a14="http://schemas.microsoft.com/office/drawing/2010/main">
+        <mc:Choice Requires="a14">
           <p:sp>
             <p:nvSpPr>
               <p:cNvPr id="3" name="Content Placeholder 2"/>
@@ -13041,7 +13202,7 @@
             </p:txBody>
           </p:sp>
         </mc:Choice>
-        <mc:Fallback>
+        <mc:Fallback xmlns="">
           <p:sp>
             <p:nvSpPr>
               <p:cNvPr id="3" name="Content Placeholder 2"/>
@@ -13150,8 +13311,8 @@
           </a:p>
         </p:txBody>
       </p:sp>
-      <mc:AlternateContent xmlns:mc="http://schemas.openxmlformats.org/markup-compatibility/2006">
-        <mc:Choice xmlns:a14="http://schemas.microsoft.com/office/drawing/2010/main" Requires="a14">
+      <mc:AlternateContent xmlns:mc="http://schemas.openxmlformats.org/markup-compatibility/2006" xmlns:a14="http://schemas.microsoft.com/office/drawing/2010/main">
+        <mc:Choice Requires="a14">
           <p:sp>
             <p:nvSpPr>
               <p:cNvPr id="3" name="Content Placeholder 2"/>
@@ -13180,15 +13341,7 @@
                 </a:r>
                 <a:r>
                   <a:rPr lang="en-US" sz="1900" baseline="30000" dirty="0"/>
-                  <a:t>(</a:t>
-                </a:r>
-                <a:r>
-                  <a:rPr lang="en-US" sz="1900" baseline="30000" dirty="0"/>
-                  <a:t>0</a:t>
-                </a:r>
-                <a:r>
-                  <a:rPr lang="en-US" sz="1900" baseline="30000" dirty="0"/>
-                  <a:t>)</a:t>
+                  <a:t>(0)</a:t>
                 </a:r>
                 <a:r>
                   <a:rPr lang="en-US" sz="1900" dirty="0"/>
@@ -13200,11 +13353,7 @@
                 </a:r>
                 <a:r>
                   <a:rPr lang="en-US" sz="1900" baseline="30000" dirty="0"/>
-                  <a:t>(0</a:t>
-                </a:r>
-                <a:r>
-                  <a:rPr lang="en-US" sz="1900" baseline="30000" dirty="0"/>
-                  <a:t>)</a:t>
+                  <a:t>(0)</a:t>
                 </a:r>
                 <a:r>
                   <a:rPr lang="en-US" sz="1900" dirty="0"/>
@@ -13216,11 +13365,7 @@
                 </a:r>
                 <a:r>
                   <a:rPr lang="en-US" sz="1900" baseline="30000" dirty="0"/>
-                  <a:t>(0</a:t>
-                </a:r>
-                <a:r>
-                  <a:rPr lang="en-US" sz="1900" baseline="30000" dirty="0"/>
-                  <a:t>)</a:t>
+                  <a:t>(0)</a:t>
                 </a:r>
                 <a:r>
                   <a:rPr lang="en-US" sz="1900" dirty="0"/>
@@ -13257,11 +13402,7 @@
                 </a14:m>
                 <a:r>
                   <a:rPr lang="en-US" sz="1900" baseline="30000" dirty="0"/>
-                  <a:t>(</a:t>
-                </a:r>
-                <a:r>
-                  <a:rPr lang="en-US" sz="1900" baseline="30000" dirty="0"/>
-                  <a:t>0)</a:t>
+                  <a:t>(0)</a:t>
                 </a:r>
                 <a:r>
                   <a:rPr lang="en-US" sz="1900" dirty="0"/>
@@ -13286,17 +13427,8 @@
                 </a:r>
                 <a:r>
                   <a:rPr lang="en-US" sz="1900" dirty="0"/>
-                  <a:t>values into the right hand </a:t>
-                </a:r>
-                <a:r>
-                  <a:rPr lang="en-US" sz="1900" dirty="0"/>
-                  <a:t>side </a:t>
-                </a:r>
-                <a:r>
-                  <a:rPr lang="en-US" sz="1900" dirty="0"/>
-                  <a:t>of the rewritten equations to </a:t>
-                </a:r>
-                <a:endParaRPr lang="en-US" sz="1900" dirty="0"/>
+                  <a:t>values into the right hand side of the rewritten equations to </a:t>
+                </a:r>
               </a:p>
               <a:p>
                 <a:pPr marL="0" indent="0">
@@ -13320,11 +13452,7 @@
                 </a:r>
                 <a:r>
                   <a:rPr lang="en-US" sz="1900" dirty="0"/>
-                  <a:t>(</a:t>
-                </a:r>
-                <a:r>
-                  <a:rPr lang="en-US" sz="1900" dirty="0"/>
-                  <a:t>𝑥</a:t>
+                  <a:t>(𝑥</a:t>
                 </a:r>
                 <a:r>
                   <a:rPr lang="en-US" sz="1900" baseline="-25000" dirty="0"/>
@@ -13336,11 +13464,7 @@
                 </a:r>
                 <a:r>
                   <a:rPr lang="en-US" sz="1900" dirty="0"/>
-                  <a:t>,</a:t>
-                </a:r>
-                <a:r>
-                  <a:rPr lang="en-US" sz="1900" dirty="0"/>
-                  <a:t>𝑥</a:t>
+                  <a:t>,𝑥</a:t>
                 </a:r>
                 <a:r>
                   <a:rPr lang="en-US" sz="1900" baseline="-25000" dirty="0"/>
@@ -13352,11 +13476,7 @@
                 </a:r>
                 <a:r>
                   <a:rPr lang="en-US" sz="1900" dirty="0"/>
-                  <a:t>,</a:t>
-                </a:r>
-                <a:r>
-                  <a:rPr lang="en-US" sz="1900" dirty="0"/>
-                  <a:t>𝑥</a:t>
+                  <a:t>,𝑥</a:t>
                 </a:r>
                 <a:r>
                   <a:rPr lang="en-US" sz="1900" baseline="-25000" dirty="0"/>
@@ -13368,11 +13488,7 @@
                 </a:r>
                 <a:r>
                   <a:rPr lang="en-US" sz="1900" dirty="0"/>
-                  <a:t>,….,</a:t>
-                </a:r>
-                <a:r>
-                  <a:rPr lang="en-US" sz="1900" dirty="0"/>
-                  <a:t>𝑥</a:t>
+                  <a:t>,….,𝑥</a:t>
                 </a:r>
                 <a14:m>
                   <m:oMath xmlns:m="http://schemas.openxmlformats.org/officeDocument/2006/math">
@@ -13393,15 +13509,7 @@
                 </a14:m>
                 <a:r>
                   <a:rPr lang="en-US" sz="1900" baseline="30000" dirty="0"/>
-                  <a:t>(</a:t>
-                </a:r>
-                <a:r>
-                  <a:rPr lang="en-US" sz="1900" baseline="30000" dirty="0"/>
-                  <a:t>1</a:t>
-                </a:r>
-                <a:r>
-                  <a:rPr lang="en-US" sz="1900" baseline="30000" dirty="0"/>
-                  <a:t>)</a:t>
+                  <a:t>(1)</a:t>
                 </a:r>
                 <a:r>
                   <a:rPr lang="en-US" sz="1900" dirty="0"/>
@@ -13411,7 +13519,6 @@
                   <a:rPr lang="en-US" sz="1900" dirty="0" smtClean="0"/>
                   <a:t>)							</a:t>
                 </a:r>
-                <a:endParaRPr lang="en-US" sz="1900" dirty="0" smtClean="0"/>
               </a:p>
               <a:p>
                 <a:r>
@@ -13526,15 +13633,7 @@
                 </a:r>
                 <a:r>
                   <a:rPr lang="en-US" sz="1900" dirty="0" smtClean="0"/>
-                  <a:t>   </a:t>
-                </a:r>
-                <a:r>
-                  <a:rPr lang="en-US" sz="1900" dirty="0" smtClean="0"/>
-                  <a:t> </a:t>
-                </a:r>
-                <a:r>
-                  <a:rPr lang="en-US" sz="1900" dirty="0" smtClean="0"/>
-                  <a:t>computed by substituting </a:t>
+                  <a:t>    computed by substituting </a:t>
                 </a:r>
                 <a:r>
                   <a:rPr lang="en-US" sz="1900" dirty="0"/>
@@ -13632,11 +13731,7 @@
                 </a:r>
                 <a:r>
                   <a:rPr lang="en-US" sz="1900" dirty="0" smtClean="0"/>
-                  <a:t>    </a:t>
-                </a:r>
-                <a:r>
-                  <a:rPr lang="en-US" sz="1900" dirty="0" smtClean="0"/>
-                  <a:t>into </a:t>
+                  <a:t>    into </a:t>
                 </a:r>
                 <a:r>
                   <a:rPr lang="en-US" sz="1900" dirty="0"/>
@@ -13652,11 +13747,7 @@
                 </a:r>
                 <a:r>
                   <a:rPr lang="en-US" sz="1900" dirty="0" smtClean="0"/>
-                  <a:t>equations and so on</a:t>
-                </a:r>
-                <a:r>
-                  <a:rPr lang="en-US" sz="1900" dirty="0" smtClean="0"/>
-                  <a:t>.</a:t>
+                  <a:t>equations and so on.</a:t>
                 </a:r>
               </a:p>
               <a:p>
@@ -13674,11 +13765,7 @@
                 </a:r>
                 <a:r>
                   <a:rPr lang="en-US" dirty="0" smtClean="0"/>
-                  <a:t>get</a:t>
-                </a:r>
-                <a:r>
-                  <a:rPr lang="en-US" dirty="0" smtClean="0"/>
-                  <a:t> </a:t>
+                  <a:t>get </a:t>
                 </a:r>
                 <a:r>
                   <a:rPr lang="en-US" dirty="0"/>
@@ -13855,7 +13942,7 @@
             </p:txBody>
           </p:sp>
         </mc:Choice>
-        <mc:Fallback>
+        <mc:Fallback xmlns="">
           <p:sp>
             <p:nvSpPr>
               <p:cNvPr id="3" name="Content Placeholder 2"/>
